--- a/Safeway/Safeway.pptx
+++ b/Safeway/Safeway.pptx
@@ -107,6 +107,11 @@
       </a:defRPr>
     </a:lvl9pPr>
   </p:defaultTextStyle>
+  <p:extLst>
+    <p:ext uri="{EFAFB233-063F-42B5-8137-9DF3F51BA10A}">
+      <p15:sldGuideLst xmlns:p15="http://schemas.microsoft.com/office/powerpoint/2012/main"/>
+    </p:ext>
+  </p:extLst>
 </p:presentation>
 </file>
 
@@ -384,7 +389,7 @@
           <a:p>
             <a:fld id="{AF239A9A-B4B0-4B32-B8CD-2E25E95134C4}" type="datetimeFigureOut">
               <a:rPr lang="en-US" dirty="0"/>
-              <a:t>3/12/2019</a:t>
+              <a:t>3/13/2019</a:t>
             </a:fld>
             <a:endParaRPr lang="en-US" dirty="0"/>
           </a:p>
@@ -793,7 +798,7 @@
           <a:p>
             <a:fld id="{F25518A9-B687-4302-9395-2322403C6656}" type="datetimeFigureOut">
               <a:rPr lang="en-US" dirty="0"/>
-              <a:t>3/12/2019</a:t>
+              <a:t>3/13/2019</a:t>
             </a:fld>
             <a:endParaRPr lang="en-US" dirty="0"/>
           </a:p>
@@ -1124,7 +1129,7 @@
           <a:p>
             <a:fld id="{1A99A684-0CB7-41E9-A4DF-5D1C2CA5BF6F}" type="datetimeFigureOut">
               <a:rPr lang="en-US" dirty="0"/>
-              <a:t>3/12/2019</a:t>
+              <a:t>3/13/2019</a:t>
             </a:fld>
             <a:endParaRPr lang="en-US" dirty="0"/>
           </a:p>
@@ -1524,7 +1529,7 @@
           <a:p>
             <a:fld id="{FEDD7C35-9E19-4518-A4B2-3B09CD8CC756}" type="datetimeFigureOut">
               <a:rPr lang="en-US" dirty="0"/>
-              <a:t>3/12/2019</a:t>
+              <a:t>3/13/2019</a:t>
             </a:fld>
             <a:endParaRPr lang="en-US" dirty="0"/>
           </a:p>
@@ -2087,7 +2092,7 @@
           <a:p>
             <a:fld id="{26196DA8-8897-4DDF-BFB6-5D83863C837A}" type="datetimeFigureOut">
               <a:rPr lang="en-US" dirty="0"/>
-              <a:t>3/12/2019</a:t>
+              <a:t>3/13/2019</a:t>
             </a:fld>
             <a:endParaRPr lang="en-US" dirty="0"/>
           </a:p>
@@ -2763,7 +2768,7 @@
           <a:p>
             <a:fld id="{DCBBA708-C5F0-412D-90E2-1919F0D196AE}" type="datetimeFigureOut">
               <a:rPr lang="en-US" dirty="0"/>
-              <a:t>3/12/2019</a:t>
+              <a:t>3/13/2019</a:t>
             </a:fld>
             <a:endParaRPr lang="en-US" dirty="0"/>
           </a:p>
@@ -3671,7 +3676,7 @@
           <a:p>
             <a:fld id="{A9C8F8FA-EF43-4642-9368-3F4E33039BD9}" type="datetimeFigureOut">
               <a:rPr lang="en-US" dirty="0"/>
-              <a:t>3/12/2019</a:t>
+              <a:t>3/13/2019</a:t>
             </a:fld>
             <a:endParaRPr lang="en-US" dirty="0"/>
           </a:p>
@@ -3979,7 +3984,7 @@
           <a:p>
             <a:fld id="{6B61E721-B01C-4D5D-A3CA-2E5518383F10}" type="datetimeFigureOut">
               <a:rPr lang="en-US" dirty="0"/>
-              <a:t>3/12/2019</a:t>
+              <a:t>3/13/2019</a:t>
             </a:fld>
             <a:endParaRPr lang="en-US" dirty="0"/>
           </a:p>
@@ -4238,7 +4243,7 @@
           <a:p>
             <a:fld id="{6513FEF9-69D0-4F8C-A336-59491FBEDC47}" type="datetimeFigureOut">
               <a:rPr lang="en-US" dirty="0"/>
-              <a:t>3/12/2019</a:t>
+              <a:t>3/13/2019</a:t>
             </a:fld>
             <a:endParaRPr lang="en-US" dirty="0"/>
           </a:p>
@@ -4575,7 +4580,7 @@
           <a:p>
             <a:fld id="{A91E21DC-8981-44E6-BC8C-2BA8F673FFBB}" type="datetimeFigureOut">
               <a:rPr lang="en-US" dirty="0"/>
-              <a:t>3/12/2019</a:t>
+              <a:t>3/13/2019</a:t>
             </a:fld>
             <a:endParaRPr lang="en-US" dirty="0"/>
           </a:p>
@@ -4959,7 +4964,7 @@
           <a:p>
             <a:fld id="{AEB9C5D3-0140-4E75-8D7F-C0623D06DFD7}" type="datetimeFigureOut">
               <a:rPr lang="en-US" dirty="0"/>
-              <a:t>3/12/2019</a:t>
+              <a:t>3/13/2019</a:t>
             </a:fld>
             <a:endParaRPr lang="en-US" dirty="0"/>
           </a:p>
@@ -5330,7 +5335,7 @@
           <a:p>
             <a:fld id="{3A5666F9-5B40-48E0-8DFD-99EF944CDD22}" type="datetimeFigureOut">
               <a:rPr lang="en-US" dirty="0"/>
-              <a:t>3/12/2019</a:t>
+              <a:t>3/13/2019</a:t>
             </a:fld>
             <a:endParaRPr lang="en-US" dirty="0"/>
           </a:p>
@@ -5831,7 +5836,7 @@
           <a:p>
             <a:fld id="{2A698D6B-2C72-4E21-9893-A649C6E2A47D}" type="datetimeFigureOut">
               <a:rPr lang="en-US" dirty="0"/>
-              <a:t>3/12/2019</a:t>
+              <a:t>3/13/2019</a:t>
             </a:fld>
             <a:endParaRPr lang="en-US" dirty="0"/>
           </a:p>
@@ -6083,7 +6088,7 @@
           <a:p>
             <a:fld id="{C86811C9-A66C-49F0-970E-F7B68D9109A0}" type="datetimeFigureOut">
               <a:rPr lang="en-US" dirty="0"/>
-              <a:t>3/12/2019</a:t>
+              <a:t>3/13/2019</a:t>
             </a:fld>
             <a:endParaRPr lang="en-US" dirty="0"/>
           </a:p>
@@ -6241,7 +6246,7 @@
           <a:p>
             <a:fld id="{6C01AE78-96A2-4A23-B183-3B6DB4374FE7}" type="datetimeFigureOut">
               <a:rPr lang="en-US" dirty="0"/>
-              <a:t>3/12/2019</a:t>
+              <a:t>3/13/2019</a:t>
             </a:fld>
             <a:endParaRPr lang="en-US" dirty="0"/>
           </a:p>
@@ -6626,7 +6631,7 @@
           <a:p>
             <a:fld id="{73AE0757-B101-4811-9189-10EB2F458E2D}" type="datetimeFigureOut">
               <a:rPr lang="en-US" dirty="0"/>
-              <a:t>3/12/2019</a:t>
+              <a:t>3/13/2019</a:t>
             </a:fld>
             <a:endParaRPr lang="en-US" dirty="0"/>
           </a:p>
@@ -7030,7 +7035,7 @@
           <a:p>
             <a:fld id="{7EBDC078-589F-40E3-816C-EE21D62B5BBA}" type="datetimeFigureOut">
               <a:rPr lang="en-US" dirty="0"/>
-              <a:t>3/12/2019</a:t>
+              <a:t>3/13/2019</a:t>
             </a:fld>
             <a:endParaRPr lang="en-US" dirty="0"/>
           </a:p>
@@ -7269,7 +7274,7 @@
           <a:p>
             <a:fld id="{C7004436-CA73-4D53-89B4-2A5C7347BF2F}" type="datetimeFigureOut">
               <a:rPr lang="en-US" dirty="0"/>
-              <a:t>3/12/2019</a:t>
+              <a:t>3/13/2019</a:t>
             </a:fld>
             <a:endParaRPr lang="en-US" dirty="0"/>
           </a:p>
@@ -7868,14 +7873,11 @@
           <a:p>
             <a:pPr fontAlgn="base"/>
             <a:r>
-              <a:rPr lang="en-US" dirty="0" err="1">
+              <a:rPr lang="en-US" dirty="0">
                 <a:effectLst/>
               </a:rPr>
-              <a:t>Sollicitation</a:t>
-            </a:r>
-            <a:endParaRPr lang="en-US" dirty="0">
-              <a:effectLst/>
-            </a:endParaRPr>
+              <a:t>Solicitation</a:t>
+            </a:r>
           </a:p>
           <a:p>
             <a:endParaRPr lang="en-US" dirty="0"/>
@@ -8389,7 +8391,7 @@
               <a:rPr lang="en-US" dirty="0">
                 <a:effectLst/>
               </a:rPr>
-              <a:t>Function description of data </a:t>
+              <a:t>Examination of data in the system</a:t>
             </a:r>
           </a:p>
           <a:p>
@@ -8425,7 +8427,7 @@
               <a:rPr lang="en-US" dirty="0">
                 <a:effectLst/>
               </a:rPr>
-              <a:t>Replace the stubs one by one</a:t>
+              <a:t>Replace the stubs with actual implementation one by one</a:t>
             </a:r>
           </a:p>
           <a:p>
